--- a/05_View/05_View.pptx
+++ b/05_View/05_View.pptx
@@ -6769,12 +6769,12 @@
               <a:t>&gt; </a:t>
             </a:r>
             <a:r>
-              <a:rPr lang="en-US" sz="1800" dirty="0" err="1">
+              <a:rPr lang="en-US" sz="1800">
                 <a:solidFill>
                   <a:schemeClr val="tx1"/>
                 </a:solidFill>
               </a:rPr>
-              <a:t>django_admin</a:t>
+              <a:t>django</a:t>
             </a:r>
             <a:r>
               <a:rPr lang="en-US" sz="1800" dirty="0">
@@ -6782,7 +6782,7 @@
                   <a:schemeClr val="tx1"/>
                 </a:solidFill>
               </a:rPr>
-              <a:t> </a:t>
+              <a:t>-admin </a:t>
             </a:r>
             <a:r>
               <a:rPr lang="en-US" sz="1800" dirty="0" err="1">
@@ -7196,7 +7196,7 @@
                   <a:schemeClr val="tx1"/>
                 </a:solidFill>
               </a:rPr>
-              <a:t>It you enter:</a:t>
+              <a:t>Enter:</a:t>
             </a:r>
           </a:p>
           <a:p>
